--- a/comparison.pptx
+++ b/comparison.pptx
@@ -104,6 +104,11 @@
       </a:defRPr>
     </a:lvl9pPr>
   </p:defaultTextStyle>
+  <p:extLst>
+    <p:ext uri="{EFAFB233-063F-42B5-8137-9DF3F51BA10A}">
+      <p15:sldGuideLst xmlns:p15="http://schemas.microsoft.com/office/powerpoint/2012/main"/>
+    </p:ext>
+  </p:extLst>
 </p:presentation>
 </file>
 
@@ -254,7 +259,7 @@
           <a:p>
             <a:fld id="{F8BD9569-5A1F-DC40-8465-A8B332F5D620}" type="datetimeFigureOut">
               <a:rPr lang="en-US" smtClean="0"/>
-              <a:t>7/12/24</a:t>
+              <a:t>7/15/24</a:t>
             </a:fld>
             <a:endParaRPr lang="en-US"/>
           </a:p>
@@ -452,7 +457,7 @@
           <a:p>
             <a:fld id="{F8BD9569-5A1F-DC40-8465-A8B332F5D620}" type="datetimeFigureOut">
               <a:rPr lang="en-US" smtClean="0"/>
-              <a:t>7/12/24</a:t>
+              <a:t>7/15/24</a:t>
             </a:fld>
             <a:endParaRPr lang="en-US"/>
           </a:p>
@@ -660,7 +665,7 @@
           <a:p>
             <a:fld id="{F8BD9569-5A1F-DC40-8465-A8B332F5D620}" type="datetimeFigureOut">
               <a:rPr lang="en-US" smtClean="0"/>
-              <a:t>7/12/24</a:t>
+              <a:t>7/15/24</a:t>
             </a:fld>
             <a:endParaRPr lang="en-US"/>
           </a:p>
@@ -858,7 +863,7 @@
           <a:p>
             <a:fld id="{F8BD9569-5A1F-DC40-8465-A8B332F5D620}" type="datetimeFigureOut">
               <a:rPr lang="en-US" smtClean="0"/>
-              <a:t>7/12/24</a:t>
+              <a:t>7/15/24</a:t>
             </a:fld>
             <a:endParaRPr lang="en-US"/>
           </a:p>
@@ -1133,7 +1138,7 @@
           <a:p>
             <a:fld id="{F8BD9569-5A1F-DC40-8465-A8B332F5D620}" type="datetimeFigureOut">
               <a:rPr lang="en-US" smtClean="0"/>
-              <a:t>7/12/24</a:t>
+              <a:t>7/15/24</a:t>
             </a:fld>
             <a:endParaRPr lang="en-US"/>
           </a:p>
@@ -1398,7 +1403,7 @@
           <a:p>
             <a:fld id="{F8BD9569-5A1F-DC40-8465-A8B332F5D620}" type="datetimeFigureOut">
               <a:rPr lang="en-US" smtClean="0"/>
-              <a:t>7/12/24</a:t>
+              <a:t>7/15/24</a:t>
             </a:fld>
             <a:endParaRPr lang="en-US"/>
           </a:p>
@@ -1810,7 +1815,7 @@
           <a:p>
             <a:fld id="{F8BD9569-5A1F-DC40-8465-A8B332F5D620}" type="datetimeFigureOut">
               <a:rPr lang="en-US" smtClean="0"/>
-              <a:t>7/12/24</a:t>
+              <a:t>7/15/24</a:t>
             </a:fld>
             <a:endParaRPr lang="en-US"/>
           </a:p>
@@ -1951,7 +1956,7 @@
           <a:p>
             <a:fld id="{F8BD9569-5A1F-DC40-8465-A8B332F5D620}" type="datetimeFigureOut">
               <a:rPr lang="en-US" smtClean="0"/>
-              <a:t>7/12/24</a:t>
+              <a:t>7/15/24</a:t>
             </a:fld>
             <a:endParaRPr lang="en-US"/>
           </a:p>
@@ -2064,7 +2069,7 @@
           <a:p>
             <a:fld id="{F8BD9569-5A1F-DC40-8465-A8B332F5D620}" type="datetimeFigureOut">
               <a:rPr lang="en-US" smtClean="0"/>
-              <a:t>7/12/24</a:t>
+              <a:t>7/15/24</a:t>
             </a:fld>
             <a:endParaRPr lang="en-US"/>
           </a:p>
@@ -2375,7 +2380,7 @@
           <a:p>
             <a:fld id="{F8BD9569-5A1F-DC40-8465-A8B332F5D620}" type="datetimeFigureOut">
               <a:rPr lang="en-US" smtClean="0"/>
-              <a:t>7/12/24</a:t>
+              <a:t>7/15/24</a:t>
             </a:fld>
             <a:endParaRPr lang="en-US"/>
           </a:p>
@@ -2663,7 +2668,7 @@
           <a:p>
             <a:fld id="{F8BD9569-5A1F-DC40-8465-A8B332F5D620}" type="datetimeFigureOut">
               <a:rPr lang="en-US" smtClean="0"/>
-              <a:t>7/12/24</a:t>
+              <a:t>7/15/24</a:t>
             </a:fld>
             <a:endParaRPr lang="en-US"/>
           </a:p>
@@ -2904,7 +2909,7 @@
           <a:p>
             <a:fld id="{F8BD9569-5A1F-DC40-8465-A8B332F5D620}" type="datetimeFigureOut">
               <a:rPr lang="en-US" smtClean="0"/>
-              <a:t>7/12/24</a:t>
+              <a:t>7/15/24</a:t>
             </a:fld>
             <a:endParaRPr lang="en-US"/>
           </a:p>
@@ -3906,11 +3911,12 @@
           <a:p>
             <a:pPr algn="ctr"/>
             <a:r>
-              <a:rPr lang="en-US" sz="1050" b="1" dirty="0">
+              <a:rPr lang="en-US" sz="1050" dirty="0">
                 <a:solidFill>
                   <a:srgbClr val="FF0000"/>
                 </a:solidFill>
-                <a:latin typeface="Helvetica" pitchFamily="2" charset="0"/>
+                <a:latin typeface="Dreaming Outloud Pro" panose="020F0502020204030204" pitchFamily="34" charset="0"/>
+                <a:cs typeface="Dreaming Outloud Pro" panose="020F0502020204030204" pitchFamily="34" charset="0"/>
               </a:rPr>
               <a:t>Made key information immediately visible</a:t>
             </a:r>
@@ -3975,7 +3981,7 @@
         </p:nvSpPr>
         <p:spPr>
           <a:xfrm>
-            <a:off x="8247133" y="910959"/>
+            <a:off x="8247133" y="921934"/>
             <a:ext cx="1428245" cy="415498"/>
           </a:xfrm>
           <a:prstGeom prst="rect">
@@ -3991,13 +3997,14 @@
           <a:p>
             <a:pPr algn="ctr"/>
             <a:r>
-              <a:rPr lang="en-US" sz="1050" b="1" dirty="0">
+              <a:rPr lang="en-US" sz="1050" dirty="0">
                 <a:solidFill>
                   <a:srgbClr val="FF0000"/>
                 </a:solidFill>
-                <a:latin typeface="Helvetica" pitchFamily="2" charset="0"/>
+                <a:latin typeface="Dreaming Outloud Pro" panose="020F0502020204030204" pitchFamily="34" charset="0"/>
+                <a:cs typeface="Dreaming Outloud Pro" panose="020F0502020204030204" pitchFamily="34" charset="0"/>
               </a:rPr>
-              <a:t>Shorter more common words</a:t>
+              <a:t>Shorter, more common words</a:t>
             </a:r>
           </a:p>
         </p:txBody>
@@ -4114,11 +4121,12 @@
           <a:p>
             <a:pPr algn="ctr"/>
             <a:r>
-              <a:rPr lang="en-US" sz="1050" b="1" dirty="0">
+              <a:rPr lang="en-US" sz="1050" dirty="0">
                 <a:solidFill>
                   <a:srgbClr val="FF0000"/>
                 </a:solidFill>
-                <a:latin typeface="Helvetica" pitchFamily="2" charset="0"/>
+                <a:latin typeface="Dreaming Outloud Pro" panose="020F0502020204030204" pitchFamily="34" charset="0"/>
+                <a:cs typeface="Dreaming Outloud Pro" panose="020F0502020204030204" pitchFamily="34" charset="0"/>
               </a:rPr>
               <a:t>Shorter and simpler sentences</a:t>
             </a:r>
@@ -4200,11 +4208,12 @@
           <a:p>
             <a:pPr algn="ctr"/>
             <a:r>
-              <a:rPr lang="en-US" sz="1050" b="1" dirty="0">
+              <a:rPr lang="en-US" sz="1050" dirty="0">
                 <a:solidFill>
                   <a:srgbClr val="FF0000"/>
                 </a:solidFill>
-                <a:latin typeface="Helvetica" pitchFamily="2" charset="0"/>
+                <a:latin typeface="Dreaming Outloud Pro" panose="020F0502020204030204" pitchFamily="34" charset="0"/>
+                <a:cs typeface="Dreaming Outloud Pro" panose="020F0502020204030204" pitchFamily="34" charset="0"/>
               </a:rPr>
               <a:t>Making responding easier</a:t>
             </a:r>
@@ -4285,11 +4294,12 @@
           <a:p>
             <a:pPr algn="ctr"/>
             <a:r>
-              <a:rPr lang="en-US" sz="1050" b="1" dirty="0">
+              <a:rPr lang="en-US" sz="1050" dirty="0">
                 <a:solidFill>
                   <a:srgbClr val="FF0000"/>
                 </a:solidFill>
-                <a:latin typeface="Helvetica" pitchFamily="2" charset="0"/>
+                <a:latin typeface="Dreaming Outloud Pro" panose="020F0502020204030204" pitchFamily="34" charset="0"/>
+                <a:cs typeface="Dreaming Outloud Pro" panose="020F0502020204030204" pitchFamily="34" charset="0"/>
               </a:rPr>
               <a:t>Emphasizing what readers value</a:t>
             </a:r>
@@ -4370,11 +4380,12 @@
           <a:p>
             <a:pPr algn="ctr"/>
             <a:r>
-              <a:rPr lang="en-US" sz="1050" b="1" dirty="0">
+              <a:rPr lang="en-US" sz="1050" dirty="0">
                 <a:solidFill>
                   <a:srgbClr val="FF0000"/>
                 </a:solidFill>
-                <a:latin typeface="Helvetica" pitchFamily="2" charset="0"/>
+                <a:latin typeface="Dreaming Outloud Pro" panose="020F0502020204030204" pitchFamily="34" charset="0"/>
+                <a:cs typeface="Dreaming Outloud Pro" panose="020F0502020204030204" pitchFamily="34" charset="0"/>
               </a:rPr>
               <a:t>Less is more: 60% reduction in word count</a:t>
             </a:r>
@@ -4411,11 +4422,12 @@
           <a:p>
             <a:pPr algn="ctr"/>
             <a:r>
-              <a:rPr lang="en-US" sz="1050" b="1" dirty="0">
+              <a:rPr lang="en-US" sz="1050" dirty="0">
                 <a:solidFill>
                   <a:srgbClr val="FF0000"/>
                 </a:solidFill>
-                <a:latin typeface="Helvetica" pitchFamily="2" charset="0"/>
+                <a:latin typeface="Dreaming Outloud Pro" panose="020F0502020204030204" pitchFamily="34" charset="0"/>
+                <a:cs typeface="Dreaming Outloud Pro" panose="020F0502020204030204" pitchFamily="34" charset="0"/>
               </a:rPr>
               <a:t>Bullet points make navigation simpler</a:t>
             </a:r>
@@ -4496,11 +4508,12 @@
           <a:p>
             <a:pPr algn="ctr"/>
             <a:r>
-              <a:rPr lang="en-US" sz="1050" b="1" dirty="0">
+              <a:rPr lang="en-US" sz="1050" dirty="0">
                 <a:solidFill>
                   <a:srgbClr val="FF0000"/>
                 </a:solidFill>
-                <a:latin typeface="Helvetica" pitchFamily="2" charset="0"/>
+                <a:latin typeface="Dreaming Outloud Pro" panose="020F0502020204030204" pitchFamily="34" charset="0"/>
+                <a:cs typeface="Dreaming Outloud Pro" panose="020F0502020204030204" pitchFamily="34" charset="0"/>
               </a:rPr>
               <a:t>Smart use of formatting</a:t>
             </a:r>
